--- a/Subnetting.pptx
+++ b/Subnetting.pptx
@@ -117,6 +117,11 @@
       </a:defRPr>
     </a:lvl9pPr>
   </p:defaultTextStyle>
+  <p:extLst>
+    <p:ext uri="{EFAFB233-063F-42B5-8137-9DF3F51BA10A}">
+      <p15:sldGuideLst xmlns:p15="http://schemas.microsoft.com/office/powerpoint/2012/main"/>
+    </p:ext>
+  </p:extLst>
 </p:presentation>
 </file>
 
@@ -202,7 +207,7 @@
           <a:p>
             <a:fld id="{2C29AA10-8715-49AB-AD69-C3239C8A6FF1}" type="datetimeFigureOut">
               <a:rPr lang="en-IN" smtClean="0"/>
-              <a:t>22-04-2023</a:t>
+              <a:t>10-08-2023</a:t>
             </a:fld>
             <a:endParaRPr lang="en-IN"/>
           </a:p>
@@ -2148,7 +2153,7 @@
           <a:p>
             <a:fld id="{BA4A287D-B772-41B8-97A6-895C70631F78}" type="datetimeFigureOut">
               <a:rPr lang="en-IN" smtClean="0"/>
-              <a:t>22-04-2023</a:t>
+              <a:t>10-08-2023</a:t>
             </a:fld>
             <a:endParaRPr lang="en-IN"/>
           </a:p>
@@ -2348,7 +2353,7 @@
           <a:p>
             <a:fld id="{BA4A287D-B772-41B8-97A6-895C70631F78}" type="datetimeFigureOut">
               <a:rPr lang="en-IN" smtClean="0"/>
-              <a:t>22-04-2023</a:t>
+              <a:t>10-08-2023</a:t>
             </a:fld>
             <a:endParaRPr lang="en-IN"/>
           </a:p>
@@ -2558,7 +2563,7 @@
           <a:p>
             <a:fld id="{BA4A287D-B772-41B8-97A6-895C70631F78}" type="datetimeFigureOut">
               <a:rPr lang="en-IN" smtClean="0"/>
-              <a:t>22-04-2023</a:t>
+              <a:t>10-08-2023</a:t>
             </a:fld>
             <a:endParaRPr lang="en-IN"/>
           </a:p>
@@ -2758,7 +2763,7 @@
           <a:p>
             <a:fld id="{BA4A287D-B772-41B8-97A6-895C70631F78}" type="datetimeFigureOut">
               <a:rPr lang="en-IN" smtClean="0"/>
-              <a:t>22-04-2023</a:t>
+              <a:t>10-08-2023</a:t>
             </a:fld>
             <a:endParaRPr lang="en-IN"/>
           </a:p>
@@ -3034,7 +3039,7 @@
           <a:p>
             <a:fld id="{BA4A287D-B772-41B8-97A6-895C70631F78}" type="datetimeFigureOut">
               <a:rPr lang="en-IN" smtClean="0"/>
-              <a:t>22-04-2023</a:t>
+              <a:t>10-08-2023</a:t>
             </a:fld>
             <a:endParaRPr lang="en-IN"/>
           </a:p>
@@ -3302,7 +3307,7 @@
           <a:p>
             <a:fld id="{BA4A287D-B772-41B8-97A6-895C70631F78}" type="datetimeFigureOut">
               <a:rPr lang="en-IN" smtClean="0"/>
-              <a:t>22-04-2023</a:t>
+              <a:t>10-08-2023</a:t>
             </a:fld>
             <a:endParaRPr lang="en-IN"/>
           </a:p>
@@ -3717,7 +3722,7 @@
           <a:p>
             <a:fld id="{BA4A287D-B772-41B8-97A6-895C70631F78}" type="datetimeFigureOut">
               <a:rPr lang="en-IN" smtClean="0"/>
-              <a:t>22-04-2023</a:t>
+              <a:t>10-08-2023</a:t>
             </a:fld>
             <a:endParaRPr lang="en-IN"/>
           </a:p>
@@ -3859,7 +3864,7 @@
           <a:p>
             <a:fld id="{BA4A287D-B772-41B8-97A6-895C70631F78}" type="datetimeFigureOut">
               <a:rPr lang="en-IN" smtClean="0"/>
-              <a:t>22-04-2023</a:t>
+              <a:t>10-08-2023</a:t>
             </a:fld>
             <a:endParaRPr lang="en-IN"/>
           </a:p>
@@ -3972,7 +3977,7 @@
           <a:p>
             <a:fld id="{BA4A287D-B772-41B8-97A6-895C70631F78}" type="datetimeFigureOut">
               <a:rPr lang="en-IN" smtClean="0"/>
-              <a:t>22-04-2023</a:t>
+              <a:t>10-08-2023</a:t>
             </a:fld>
             <a:endParaRPr lang="en-IN"/>
           </a:p>
@@ -4285,7 +4290,7 @@
           <a:p>
             <a:fld id="{BA4A287D-B772-41B8-97A6-895C70631F78}" type="datetimeFigureOut">
               <a:rPr lang="en-IN" smtClean="0"/>
-              <a:t>22-04-2023</a:t>
+              <a:t>10-08-2023</a:t>
             </a:fld>
             <a:endParaRPr lang="en-IN"/>
           </a:p>
@@ -4574,7 +4579,7 @@
           <a:p>
             <a:fld id="{BA4A287D-B772-41B8-97A6-895C70631F78}" type="datetimeFigureOut">
               <a:rPr lang="en-IN" smtClean="0"/>
-              <a:t>22-04-2023</a:t>
+              <a:t>10-08-2023</a:t>
             </a:fld>
             <a:endParaRPr lang="en-IN"/>
           </a:p>
@@ -4817,7 +4822,7 @@
           <a:p>
             <a:fld id="{BA4A287D-B772-41B8-97A6-895C70631F78}" type="datetimeFigureOut">
               <a:rPr lang="en-IN" smtClean="0"/>
-              <a:t>22-04-2023</a:t>
+              <a:t>10-08-2023</a:t>
             </a:fld>
             <a:endParaRPr lang="en-IN"/>
           </a:p>
@@ -5334,31 +5339,6 @@
           </a:p>
         </p:txBody>
       </p:sp>
-      <p:sp>
-        <p:nvSpPr>
-          <p:cNvPr id="5" name="Text Placeholder 4">
-            <a:extLst>
-              <a:ext uri="{FF2B5EF4-FFF2-40B4-BE49-F238E27FC236}">
-                <a16:creationId xmlns:a16="http://schemas.microsoft.com/office/drawing/2014/main" id="{071DAEB5-17B6-AC35-8ABB-C8653CBD79B9}"/>
-              </a:ext>
-            </a:extLst>
-          </p:cNvPr>
-          <p:cNvSpPr>
-            <a:spLocks noGrp="1"/>
-          </p:cNvSpPr>
-          <p:nvPr>
-            <p:ph type="body" idx="1"/>
-          </p:nvPr>
-        </p:nvSpPr>
-        <p:spPr/>
-        <p:txBody>
-          <a:bodyPr/>
-          <a:lstStyle/>
-          <a:p>
-            <a:endParaRPr lang="en-IN"/>
-          </a:p>
-        </p:txBody>
-      </p:sp>
     </p:spTree>
   </p:cSld>
   <p:clrMapOvr>
@@ -5745,31 +5725,6 @@
               <a:rPr lang="en-IN" dirty="0"/>
               <a:t>Subnetting Concept</a:t>
             </a:r>
-          </a:p>
-        </p:txBody>
-      </p:sp>
-      <p:sp>
-        <p:nvSpPr>
-          <p:cNvPr id="5" name="Content Placeholder 4">
-            <a:extLst>
-              <a:ext uri="{FF2B5EF4-FFF2-40B4-BE49-F238E27FC236}">
-                <a16:creationId xmlns:a16="http://schemas.microsoft.com/office/drawing/2014/main" id="{8F320D78-C8A7-6580-BE34-85B5C64A63D6}"/>
-              </a:ext>
-            </a:extLst>
-          </p:cNvPr>
-          <p:cNvSpPr>
-            <a:spLocks noGrp="1"/>
-          </p:cNvSpPr>
-          <p:nvPr>
-            <p:ph idx="1"/>
-          </p:nvPr>
-        </p:nvSpPr>
-        <p:spPr/>
-        <p:txBody>
-          <a:bodyPr/>
-          <a:lstStyle/>
-          <a:p>
-            <a:endParaRPr lang="en-IN"/>
           </a:p>
         </p:txBody>
       </p:sp>
